--- a/doc/presentation/presentation.pptx
+++ b/doc/presentation/presentation.pptx
@@ -127,6 +127,9 @@
   <p:extLst>
     <p:ext uri="{EFAFB233-063F-42B5-8137-9DF3F51BA10A}">
       <p15:sldGuideLst xmlns:p15="http://schemas.microsoft.com/office/powerpoint/2012/main"/>
+    </p:ext>
+    <p:ext uri="{2D200454-40CA-4A62-9FC3-DE9A4176ACB9}">
+      <p15:notesGuideLst xmlns:p15="http://schemas.microsoft.com/office/powerpoint/2012/main"/>
     </p:ext>
   </p:extLst>
 </p:presentation>
@@ -6373,7 +6376,7 @@
           <a:p>
             <a:fld id="{524EFC8E-5914-495F-B23D-C80687CB51E8}" type="datetimeFigureOut">
               <a:rPr lang="en-AT" smtClean="0"/>
-              <a:t>04/09/2021</a:t>
+              <a:t>06/09/2021</a:t>
             </a:fld>
             <a:endParaRPr lang="en-AT"/>
           </a:p>
@@ -6706,7 +6709,7 @@
           <a:p>
             <a:fld id="{EB70346F-E109-421D-BB21-CC39EEA2120A}" type="slidenum">
               <a:rPr lang="en-AT" smtClean="0"/>
-              <a:t>5</a:t>
+              <a:t>1</a:t>
             </a:fld>
             <a:endParaRPr lang="en-AT"/>
           </a:p>
@@ -6715,7 +6718,7 @@
     </p:spTree>
     <p:extLst>
       <p:ext uri="{BB962C8B-B14F-4D97-AF65-F5344CB8AC3E}">
-        <p14:creationId xmlns:p14="http://schemas.microsoft.com/office/powerpoint/2010/main" val="1287341250"/>
+        <p14:creationId xmlns:p14="http://schemas.microsoft.com/office/powerpoint/2010/main" val="868165596"/>
       </p:ext>
     </p:extLst>
   </p:cSld>
@@ -6769,11 +6772,89 @@
           <a:bodyPr/>
           <a:lstStyle/>
           <a:p>
-            <a:r>
-              <a:rPr lang="en-US" dirty="0"/>
-              <a:t>Use colors for the branches </a:t>
-            </a:r>
-          </a:p>
+            <a:endParaRPr lang="en-AT" dirty="0"/>
+          </a:p>
+        </p:txBody>
+      </p:sp>
+      <p:sp>
+        <p:nvSpPr>
+          <p:cNvPr id="4" name="Slide Number Placeholder 3"/>
+          <p:cNvSpPr>
+            <a:spLocks noGrp="1"/>
+          </p:cNvSpPr>
+          <p:nvPr>
+            <p:ph type="sldNum" sz="quarter" idx="5"/>
+          </p:nvPr>
+        </p:nvSpPr>
+        <p:spPr/>
+        <p:txBody>
+          <a:bodyPr/>
+          <a:lstStyle/>
+          <a:p>
+            <a:fld id="{EB70346F-E109-421D-BB21-CC39EEA2120A}" type="slidenum">
+              <a:rPr lang="en-AT" smtClean="0"/>
+              <a:t>5</a:t>
+            </a:fld>
+            <a:endParaRPr lang="en-AT"/>
+          </a:p>
+        </p:txBody>
+      </p:sp>
+    </p:spTree>
+    <p:extLst>
+      <p:ext uri="{BB962C8B-B14F-4D97-AF65-F5344CB8AC3E}">
+        <p14:creationId xmlns:p14="http://schemas.microsoft.com/office/powerpoint/2010/main" val="1287341250"/>
+      </p:ext>
+    </p:extLst>
+  </p:cSld>
+  <p:clrMapOvr>
+    <a:masterClrMapping/>
+  </p:clrMapOvr>
+</p:notes>
+</file>
+
+<file path=ppt/notesSlides/notesSlide3.xml><?xml version="1.0" encoding="utf-8"?>
+<p:notes xmlns:a="http://schemas.openxmlformats.org/drawingml/2006/main" xmlns:r="http://schemas.openxmlformats.org/officeDocument/2006/relationships" xmlns:p="http://schemas.openxmlformats.org/presentationml/2006/main">
+  <p:cSld>
+    <p:spTree>
+      <p:nvGrpSpPr>
+        <p:cNvPr id="1" name=""/>
+        <p:cNvGrpSpPr/>
+        <p:nvPr/>
+      </p:nvGrpSpPr>
+      <p:grpSpPr>
+        <a:xfrm>
+          <a:off x="0" y="0"/>
+          <a:ext cx="0" cy="0"/>
+          <a:chOff x="0" y="0"/>
+          <a:chExt cx="0" cy="0"/>
+        </a:xfrm>
+      </p:grpSpPr>
+      <p:sp>
+        <p:nvSpPr>
+          <p:cNvPr id="2" name="Slide Image Placeholder 1"/>
+          <p:cNvSpPr>
+            <a:spLocks noGrp="1" noRot="1" noChangeAspect="1"/>
+          </p:cNvSpPr>
+          <p:nvPr>
+            <p:ph type="sldImg"/>
+          </p:nvPr>
+        </p:nvSpPr>
+        <p:spPr/>
+      </p:sp>
+      <p:sp>
+        <p:nvSpPr>
+          <p:cNvPr id="3" name="Notes Placeholder 2"/>
+          <p:cNvSpPr>
+            <a:spLocks noGrp="1"/>
+          </p:cNvSpPr>
+          <p:nvPr>
+            <p:ph type="body" idx="1"/>
+          </p:nvPr>
+        </p:nvSpPr>
+        <p:spPr/>
+        <p:txBody>
+          <a:bodyPr/>
+          <a:lstStyle/>
           <a:p>
             <a:endParaRPr lang="en-AT" dirty="0"/>
           </a:p>
@@ -7053,7 +7134,7 @@
           <a:p>
             <a:fld id="{ED291B17-9318-49DB-B28B-6E5994AE9581}" type="datetime1">
               <a:rPr lang="en-US" smtClean="0"/>
-              <a:t>9/4/2021</a:t>
+              <a:t>9/6/2021</a:t>
             </a:fld>
             <a:endParaRPr lang="en-US" dirty="0"/>
           </a:p>
@@ -7256,7 +7337,7 @@
           <a:p>
             <a:fld id="{2CED4963-E985-44C4-B8C4-FDD613B7C2F8}" type="datetime1">
               <a:rPr lang="en-US" smtClean="0"/>
-              <a:t>9/4/2021</a:t>
+              <a:t>9/6/2021</a:t>
             </a:fld>
             <a:endParaRPr lang="en-US" dirty="0"/>
           </a:p>
@@ -7618,7 +7699,7 @@
           <a:p>
             <a:fld id="{ED291B17-9318-49DB-B28B-6E5994AE9581}" type="datetime1">
               <a:rPr lang="en-US" smtClean="0"/>
-              <a:t>9/4/2021</a:t>
+              <a:t>9/6/2021</a:t>
             </a:fld>
             <a:endParaRPr lang="en-US" dirty="0"/>
           </a:p>
@@ -7816,7 +7897,7 @@
           <a:p>
             <a:fld id="{78DD82B9-B8EE-4375-B6FF-88FA6ABB15D9}" type="datetime1">
               <a:rPr lang="en-US" smtClean="0"/>
-              <a:t>9/4/2021</a:t>
+              <a:t>9/6/2021</a:t>
             </a:fld>
             <a:endParaRPr lang="en-US" dirty="0"/>
           </a:p>
@@ -8128,7 +8209,7 @@
           <a:p>
             <a:fld id="{B2497495-0637-405E-AE64-5CC7506D51F5}" type="datetime1">
               <a:rPr lang="en-US" smtClean="0"/>
-              <a:t>9/4/2021</a:t>
+              <a:t>9/6/2021</a:t>
             </a:fld>
             <a:endParaRPr lang="en-US" dirty="0"/>
           </a:p>
@@ -8381,7 +8462,7 @@
           <a:p>
             <a:fld id="{7BFFD690-9426-415D-8B65-26881E07B2D4}" type="datetime1">
               <a:rPr lang="en-US" smtClean="0"/>
-              <a:t>9/4/2021</a:t>
+              <a:t>9/6/2021</a:t>
             </a:fld>
             <a:endParaRPr lang="en-US" dirty="0"/>
           </a:p>
@@ -8803,7 +8884,7 @@
           <a:p>
             <a:fld id="{04C4989A-474C-40DE-95B9-011C28B71673}" type="datetime1">
               <a:rPr lang="en-US" smtClean="0"/>
-              <a:t>9/4/2021</a:t>
+              <a:t>9/6/2021</a:t>
             </a:fld>
             <a:endParaRPr lang="en-US" dirty="0"/>
           </a:p>
@@ -8926,7 +9007,7 @@
           <a:p>
             <a:fld id="{5DB4ED54-5B5E-4A04-93D3-5772E3CE3818}" type="datetime1">
               <a:rPr lang="en-US" smtClean="0"/>
-              <a:t>9/4/2021</a:t>
+              <a:t>9/6/2021</a:t>
             </a:fld>
             <a:endParaRPr lang="en-US" dirty="0"/>
           </a:p>
@@ -9021,7 +9102,7 @@
           <a:p>
             <a:fld id="{4EDE50D6-574B-40AF-946F-D52A04ADE379}" type="datetime1">
               <a:rPr lang="en-US" smtClean="0"/>
-              <a:t>9/4/2021</a:t>
+              <a:t>9/6/2021</a:t>
             </a:fld>
             <a:endParaRPr lang="en-US" dirty="0"/>
           </a:p>
@@ -9398,7 +9479,7 @@
           <a:p>
             <a:fld id="{D82884F1-FFEA-405F-9602-3DCA865EDA4E}" type="datetime1">
               <a:rPr lang="en-US" smtClean="0"/>
-              <a:t>9/4/2021</a:t>
+              <a:t>9/6/2021</a:t>
             </a:fld>
             <a:endParaRPr lang="en-US" dirty="0"/>
           </a:p>
@@ -9691,7 +9772,7 @@
           <a:p>
             <a:fld id="{7E18DB4A-8810-4A10-AD5C-D5E2C667F5B3}" type="datetime1">
               <a:rPr lang="en-US" smtClean="0"/>
-              <a:t>9/4/2021</a:t>
+              <a:t>9/6/2021</a:t>
             </a:fld>
             <a:endParaRPr lang="en-US" dirty="0"/>
           </a:p>
@@ -9906,7 +9987,7 @@
           <a:p>
             <a:fld id="{ED291B17-9318-49DB-B28B-6E5994AE9581}" type="datetime1">
               <a:rPr lang="en-US" smtClean="0"/>
-              <a:t>9/4/2021</a:t>
+              <a:t>9/6/2021</a:t>
             </a:fld>
             <a:endParaRPr lang="en-US" dirty="0"/>
           </a:p>
@@ -10683,10 +10764,9 @@
           <a:lstStyle/>
           <a:p>
             <a:r>
-              <a:rPr lang="en-US" cap="none"/>
+              <a:rPr lang="en-US" cap="none" dirty="0"/>
               <a:t>Master’s Thesis Presentation by Michael Wurm</a:t>
             </a:r>
-            <a:endParaRPr lang="en-US" cap="none" dirty="0"/>
           </a:p>
         </p:txBody>
       </p:sp>
@@ -10867,7 +10947,7 @@
           <p:nvPr/>
         </p:nvPicPr>
         <p:blipFill rotWithShape="1">
-          <a:blip r:embed="rId2">
+          <a:blip r:embed="rId3">
             <a:extLst>
               <a:ext uri="{28A0092B-C50C-407E-A947-70E740481C1C}">
                 <a14:useLocalDpi xmlns:a14="http://schemas.microsoft.com/office/drawing/2010/main" val="0"/>
@@ -10901,10 +10981,10 @@
           <p:nvPr/>
         </p:nvPicPr>
         <p:blipFill>
-          <a:blip r:embed="rId3">
+          <a:blip r:embed="rId4">
             <a:extLst>
               <a:ext uri="{96DAC541-7B7A-43D3-8B79-37D633B846F1}">
-                <asvg:svgBlip xmlns:asvg="http://schemas.microsoft.com/office/drawing/2016/SVG/main" r:embed="rId4"/>
+                <asvg:svgBlip xmlns:asvg="http://schemas.microsoft.com/office/drawing/2016/SVG/main" r:embed="rId5"/>
               </a:ext>
             </a:extLst>
           </a:blip>
@@ -11095,6 +11175,53 @@
           </a:xfrm>
         </p:spPr>
       </p:pic>
+      <p:sp>
+        <p:nvSpPr>
+          <p:cNvPr id="3" name="TextBox 2">
+            <a:extLst>
+              <a:ext uri="{FF2B5EF4-FFF2-40B4-BE49-F238E27FC236}">
+                <a16:creationId xmlns:a16="http://schemas.microsoft.com/office/drawing/2014/main" id="{8E6325EF-CA1F-429D-BC37-C91E8C698437}"/>
+              </a:ext>
+            </a:extLst>
+          </p:cNvPr>
+          <p:cNvSpPr txBox="1"/>
+          <p:nvPr/>
+        </p:nvSpPr>
+        <p:spPr>
+          <a:xfrm>
+            <a:off x="9335588" y="3291840"/>
+            <a:ext cx="1314994" cy="553998"/>
+          </a:xfrm>
+          <a:prstGeom prst="rect">
+            <a:avLst/>
+          </a:prstGeom>
+          <a:solidFill>
+            <a:schemeClr val="bg1"/>
+          </a:solidFill>
+        </p:spPr>
+        <p:txBody>
+          <a:bodyPr wrap="square" rtlCol="0">
+            <a:spAutoFit/>
+          </a:bodyPr>
+          <a:lstStyle/>
+          <a:p>
+            <a:pPr algn="ctr"/>
+            <a:r>
+              <a:rPr lang="en-US" sz="1200" i="1" dirty="0">
+                <a:latin typeface="Times New Roman" panose="02020603050405020304" pitchFamily="18" charset="0"/>
+                <a:cs typeface="Times New Roman" panose="02020603050405020304" pitchFamily="18" charset="0"/>
+              </a:rPr>
+              <a:t>Verification</a:t>
+            </a:r>
+          </a:p>
+          <a:p>
+            <a:endParaRPr lang="en-AT" dirty="0">
+              <a:latin typeface="Times New Roman" panose="02020603050405020304" pitchFamily="18" charset="0"/>
+              <a:cs typeface="Times New Roman" panose="02020603050405020304" pitchFamily="18" charset="0"/>
+            </a:endParaRPr>
+          </a:p>
+        </p:txBody>
+      </p:sp>
     </p:spTree>
     <p:extLst>
       <p:ext uri="{BB962C8B-B14F-4D97-AF65-F5344CB8AC3E}">
@@ -11591,13 +11718,13 @@
         </p:nvPicPr>
         <p:blipFill>
           <a:blip r:embed="rId2"/>
-          <a:srcRect/>
+          <a:srcRect l="155" r="155"/>
           <a:stretch/>
         </p:blipFill>
         <p:spPr>
           <a:xfrm>
-            <a:off x="4865830" y="1447800"/>
-            <a:ext cx="6459320" cy="4904596"/>
+            <a:off x="4683967" y="1299521"/>
+            <a:ext cx="6641183" cy="5414788"/>
           </a:xfrm>
         </p:spPr>
       </p:pic>
@@ -11876,6 +12003,98 @@
           </a:xfrm>
         </p:spPr>
       </p:pic>
+      <p:sp>
+        <p:nvSpPr>
+          <p:cNvPr id="3" name="Oval 2">
+            <a:extLst>
+              <a:ext uri="{FF2B5EF4-FFF2-40B4-BE49-F238E27FC236}">
+                <a16:creationId xmlns:a16="http://schemas.microsoft.com/office/drawing/2014/main" id="{E214B76B-9CEA-488C-8221-CB171E8015AD}"/>
+              </a:ext>
+            </a:extLst>
+          </p:cNvPr>
+          <p:cNvSpPr/>
+          <p:nvPr/>
+        </p:nvSpPr>
+        <p:spPr>
+          <a:xfrm>
+            <a:off x="9911224" y="3324496"/>
+            <a:ext cx="69668" cy="78377"/>
+          </a:xfrm>
+          <a:prstGeom prst="ellipse">
+            <a:avLst/>
+          </a:prstGeom>
+        </p:spPr>
+        <p:style>
+          <a:lnRef idx="2">
+            <a:schemeClr val="accent1">
+              <a:shade val="50000"/>
+            </a:schemeClr>
+          </a:lnRef>
+          <a:fillRef idx="1">
+            <a:schemeClr val="accent1"/>
+          </a:fillRef>
+          <a:effectRef idx="0">
+            <a:schemeClr val="accent1"/>
+          </a:effectRef>
+          <a:fontRef idx="minor">
+            <a:schemeClr val="lt1"/>
+          </a:fontRef>
+        </p:style>
+        <p:txBody>
+          <a:bodyPr rtlCol="0" anchor="ctr"/>
+          <a:lstStyle/>
+          <a:p>
+            <a:pPr algn="ctr"/>
+            <a:endParaRPr lang="en-AT"/>
+          </a:p>
+        </p:txBody>
+      </p:sp>
+      <p:sp>
+        <p:nvSpPr>
+          <p:cNvPr id="6" name="Oval 5">
+            <a:extLst>
+              <a:ext uri="{FF2B5EF4-FFF2-40B4-BE49-F238E27FC236}">
+                <a16:creationId xmlns:a16="http://schemas.microsoft.com/office/drawing/2014/main" id="{F9DF8CC8-13E9-4A84-A973-8020DF669BA4}"/>
+              </a:ext>
+            </a:extLst>
+          </p:cNvPr>
+          <p:cNvSpPr/>
+          <p:nvPr/>
+        </p:nvSpPr>
+        <p:spPr>
+          <a:xfrm>
+            <a:off x="9911224" y="4630782"/>
+            <a:ext cx="69668" cy="78377"/>
+          </a:xfrm>
+          <a:prstGeom prst="ellipse">
+            <a:avLst/>
+          </a:prstGeom>
+        </p:spPr>
+        <p:style>
+          <a:lnRef idx="2">
+            <a:schemeClr val="accent1">
+              <a:shade val="50000"/>
+            </a:schemeClr>
+          </a:lnRef>
+          <a:fillRef idx="1">
+            <a:schemeClr val="accent1"/>
+          </a:fillRef>
+          <a:effectRef idx="0">
+            <a:schemeClr val="accent1"/>
+          </a:effectRef>
+          <a:fontRef idx="minor">
+            <a:schemeClr val="lt1"/>
+          </a:fontRef>
+        </p:style>
+        <p:txBody>
+          <a:bodyPr rtlCol="0" anchor="ctr"/>
+          <a:lstStyle/>
+          <a:p>
+            <a:pPr algn="ctr"/>
+            <a:endParaRPr lang="en-AT"/>
+          </a:p>
+        </p:txBody>
+      </p:sp>
     </p:spTree>
     <p:extLst>
       <p:ext uri="{BB962C8B-B14F-4D97-AF65-F5344CB8AC3E}">
@@ -12672,36 +12891,6 @@
       </p:pic>
       <p:pic>
         <p:nvPicPr>
-          <p:cNvPr id="5" name="Content Placeholder 11" descr="A picture containing text, businesscard&#10;&#10;Description automatically generated">
-            <a:extLst>
-              <a:ext uri="{FF2B5EF4-FFF2-40B4-BE49-F238E27FC236}">
-                <a16:creationId xmlns:a16="http://schemas.microsoft.com/office/drawing/2014/main" id="{3A066F12-55B2-4D62-8070-3F8C3C4D87B3}"/>
-              </a:ext>
-            </a:extLst>
-          </p:cNvPr>
-          <p:cNvPicPr>
-            <a:picLocks noChangeAspect="1"/>
-          </p:cNvPicPr>
-          <p:nvPr/>
-        </p:nvPicPr>
-        <p:blipFill>
-          <a:blip r:embed="rId3"/>
-          <a:stretch>
-            <a:fillRect/>
-          </a:stretch>
-        </p:blipFill>
-        <p:spPr>
-          <a:xfrm>
-            <a:off x="5493393" y="1793394"/>
-            <a:ext cx="3315277" cy="1519741"/>
-          </a:xfrm>
-          <a:prstGeom prst="rect">
-            <a:avLst/>
-          </a:prstGeom>
-        </p:spPr>
-      </p:pic>
-      <p:pic>
-        <p:nvPicPr>
           <p:cNvPr id="6" name="Picture 2" descr="RTL-SDR – Lab401">
             <a:extLst>
               <a:ext uri="{FF2B5EF4-FFF2-40B4-BE49-F238E27FC236}">
@@ -12715,7 +12904,7 @@
           <p:nvPr/>
         </p:nvPicPr>
         <p:blipFill rotWithShape="1">
-          <a:blip r:embed="rId4">
+          <a:blip r:embed="rId3">
             <a:extLst>
               <a:ext uri="{28A0092B-C50C-407E-A947-70E740481C1C}">
                 <a14:useLocalDpi xmlns:a14="http://schemas.microsoft.com/office/drawing/2010/main" val="0"/>
@@ -12760,7 +12949,7 @@
           <p:nvPr/>
         </p:nvPicPr>
         <p:blipFill rotWithShape="1">
-          <a:blip r:embed="rId5">
+          <a:blip r:embed="rId4">
             <a:extLst>
               <a:ext uri="{28A0092B-C50C-407E-A947-70E740481C1C}">
                 <a14:useLocalDpi xmlns:a14="http://schemas.microsoft.com/office/drawing/2010/main" val="0"/>
@@ -12993,10 +13182,10 @@
           <p:nvPr/>
         </p:nvPicPr>
         <p:blipFill>
-          <a:blip r:embed="rId6">
+          <a:blip r:embed="rId5">
             <a:extLst>
               <a:ext uri="{96DAC541-7B7A-43D3-8B79-37D633B846F1}">
-                <asvg:svgBlip xmlns:asvg="http://schemas.microsoft.com/office/drawing/2016/SVG/main" r:embed="rId7"/>
+                <asvg:svgBlip xmlns:asvg="http://schemas.microsoft.com/office/drawing/2016/SVG/main" r:embed="rId6"/>
               </a:ext>
             </a:extLst>
           </a:blip>
@@ -13008,6 +13197,35 @@
           <a:xfrm>
             <a:off x="7897378" y="5265578"/>
             <a:ext cx="3706896" cy="1007034"/>
+          </a:xfrm>
+          <a:prstGeom prst="rect">
+            <a:avLst/>
+          </a:prstGeom>
+        </p:spPr>
+      </p:pic>
+      <p:pic>
+        <p:nvPicPr>
+          <p:cNvPr id="12" name="Content Placeholder 11">
+            <a:extLst>
+              <a:ext uri="{FF2B5EF4-FFF2-40B4-BE49-F238E27FC236}">
+                <a16:creationId xmlns:a16="http://schemas.microsoft.com/office/drawing/2014/main" id="{30E5B0A7-19E4-40A0-9622-7E50286068CE}"/>
+              </a:ext>
+            </a:extLst>
+          </p:cNvPr>
+          <p:cNvPicPr>
+            <a:picLocks noChangeAspect="1"/>
+          </p:cNvPicPr>
+          <p:nvPr/>
+        </p:nvPicPr>
+        <p:blipFill>
+          <a:blip r:embed="rId7"/>
+          <a:srcRect/>
+          <a:stretch/>
+        </p:blipFill>
+        <p:spPr>
+          <a:xfrm>
+            <a:off x="5229673" y="1502402"/>
+            <a:ext cx="3721872" cy="1651953"/>
           </a:xfrm>
           <a:prstGeom prst="rect">
             <a:avLst/>
@@ -13066,11 +13284,11 @@
           <a:lstStyle/>
           <a:p>
             <a:r>
-              <a:rPr lang="en-US"/>
+              <a:rPr lang="en-US" dirty="0"/>
               <a:t>The project</a:t>
             </a:r>
             <a:br>
-              <a:rPr lang="en-US"/>
+              <a:rPr lang="en-US" dirty="0"/>
             </a:br>
             <a:endParaRPr lang="en-AT" dirty="0"/>
           </a:p>
@@ -13367,6 +13585,60 @@
           </a:xfrm>
         </p:spPr>
       </p:pic>
+      <p:sp>
+        <p:nvSpPr>
+          <p:cNvPr id="3" name="Rectangle 2">
+            <a:extLst>
+              <a:ext uri="{FF2B5EF4-FFF2-40B4-BE49-F238E27FC236}">
+                <a16:creationId xmlns:a16="http://schemas.microsoft.com/office/drawing/2014/main" id="{02516A61-5C0D-40EC-AD2D-FE3356A3D4A8}"/>
+              </a:ext>
+            </a:extLst>
+          </p:cNvPr>
+          <p:cNvSpPr/>
+          <p:nvPr/>
+        </p:nvSpPr>
+        <p:spPr>
+          <a:xfrm>
+            <a:off x="5341032" y="2758440"/>
+            <a:ext cx="1576791" cy="731520"/>
+          </a:xfrm>
+          <a:prstGeom prst="rect">
+            <a:avLst/>
+          </a:prstGeom>
+          <a:solidFill>
+            <a:schemeClr val="bg1"/>
+          </a:solidFill>
+          <a:ln>
+            <a:solidFill>
+              <a:schemeClr val="bg1"/>
+            </a:solidFill>
+          </a:ln>
+        </p:spPr>
+        <p:style>
+          <a:lnRef idx="2">
+            <a:schemeClr val="accent1">
+              <a:shade val="50000"/>
+            </a:schemeClr>
+          </a:lnRef>
+          <a:fillRef idx="1">
+            <a:schemeClr val="accent1"/>
+          </a:fillRef>
+          <a:effectRef idx="0">
+            <a:schemeClr val="accent1"/>
+          </a:effectRef>
+          <a:fontRef idx="minor">
+            <a:schemeClr val="lt1"/>
+          </a:fontRef>
+        </p:style>
+        <p:txBody>
+          <a:bodyPr rtlCol="0" anchor="ctr"/>
+          <a:lstStyle/>
+          <a:p>
+            <a:pPr algn="ctr"/>
+            <a:endParaRPr lang="en-AT"/>
+          </a:p>
+        </p:txBody>
+      </p:sp>
       <p:pic>
         <p:nvPicPr>
           <p:cNvPr id="7" name="Picture 6" descr="A picture containing text, electronics, circuit&#10;&#10;Description automatically generated">
@@ -13388,7 +13660,7 @@
         </p:blipFill>
         <p:spPr>
           <a:xfrm>
-            <a:off x="7193903" y="2378177"/>
+            <a:off x="7202612" y="2378177"/>
             <a:ext cx="2696547" cy="2532470"/>
           </a:xfrm>
           <a:prstGeom prst="rect">
@@ -13567,6 +13839,149 @@
           </a:p>
         </p:txBody>
       </p:sp>
+      <p:grpSp>
+        <p:nvGrpSpPr>
+          <p:cNvPr id="8" name="Group 7">
+            <a:extLst>
+              <a:ext uri="{FF2B5EF4-FFF2-40B4-BE49-F238E27FC236}">
+                <a16:creationId xmlns:a16="http://schemas.microsoft.com/office/drawing/2014/main" id="{1F1FAB8C-009E-4A33-9A0D-DF266F6548B2}"/>
+              </a:ext>
+            </a:extLst>
+          </p:cNvPr>
+          <p:cNvGrpSpPr/>
+          <p:nvPr/>
+        </p:nvGrpSpPr>
+        <p:grpSpPr>
+          <a:xfrm>
+            <a:off x="5427295" y="2626211"/>
+            <a:ext cx="1904394" cy="995978"/>
+            <a:chOff x="5048820" y="5037960"/>
+            <a:chExt cx="1904394" cy="995978"/>
+          </a:xfrm>
+        </p:grpSpPr>
+        <p:pic>
+          <p:nvPicPr>
+            <p:cNvPr id="9" name="Picture 2" descr="RTL-SDR – Lab401">
+              <a:extLst>
+                <a:ext uri="{FF2B5EF4-FFF2-40B4-BE49-F238E27FC236}">
+                  <a16:creationId xmlns:a16="http://schemas.microsoft.com/office/drawing/2014/main" id="{1F36A3BD-AB85-41BC-8BA6-C6C3703AEF38}"/>
+                </a:ext>
+              </a:extLst>
+            </p:cNvPr>
+            <p:cNvPicPr>
+              <a:picLocks noChangeAspect="1" noChangeArrowheads="1"/>
+            </p:cNvPicPr>
+            <p:nvPr/>
+          </p:nvPicPr>
+          <p:blipFill rotWithShape="1">
+            <a:blip r:embed="rId4">
+              <a:extLst>
+                <a:ext uri="{28A0092B-C50C-407E-A947-70E740481C1C}">
+                  <a14:useLocalDpi xmlns:a14="http://schemas.microsoft.com/office/drawing/2010/main" val="0"/>
+                </a:ext>
+              </a:extLst>
+            </a:blip>
+            <a:srcRect l="23150"/>
+            <a:stretch/>
+          </p:blipFill>
+          <p:spPr bwMode="auto">
+            <a:xfrm>
+              <a:off x="5048820" y="5037960"/>
+              <a:ext cx="1731074" cy="995978"/>
+            </a:xfrm>
+            <a:prstGeom prst="rect">
+              <a:avLst/>
+            </a:prstGeom>
+            <a:noFill/>
+            <a:extLst>
+              <a:ext uri="{909E8E84-426E-40DD-AFC4-6F175D3DCCD1}">
+                <a14:hiddenFill xmlns:a14="http://schemas.microsoft.com/office/drawing/2010/main">
+                  <a:solidFill>
+                    <a:srgbClr val="FFFFFF"/>
+                  </a:solidFill>
+                </a14:hiddenFill>
+              </a:ext>
+            </a:extLst>
+          </p:spPr>
+        </p:pic>
+        <p:sp>
+          <p:nvSpPr>
+            <p:cNvPr id="11" name="TextBox 10">
+              <a:extLst>
+                <a:ext uri="{FF2B5EF4-FFF2-40B4-BE49-F238E27FC236}">
+                  <a16:creationId xmlns:a16="http://schemas.microsoft.com/office/drawing/2014/main" id="{71F464F3-0E4A-4D9A-B78F-922143D8B961}"/>
+                </a:ext>
+              </a:extLst>
+            </p:cNvPr>
+            <p:cNvSpPr txBox="1"/>
+            <p:nvPr/>
+          </p:nvSpPr>
+          <p:spPr>
+            <a:xfrm>
+              <a:off x="5956737" y="5535949"/>
+              <a:ext cx="996477" cy="246221"/>
+            </a:xfrm>
+            <a:prstGeom prst="rect">
+              <a:avLst/>
+            </a:prstGeom>
+            <a:noFill/>
+          </p:spPr>
+          <p:txBody>
+            <a:bodyPr wrap="square" rtlCol="0">
+              <a:spAutoFit/>
+            </a:bodyPr>
+            <a:lstStyle/>
+            <a:p>
+              <a:r>
+                <a:rPr lang="en-US" sz="1000" dirty="0">
+                  <a:solidFill>
+                    <a:schemeClr val="bg1">
+                      <a:lumMod val="85000"/>
+                    </a:schemeClr>
+                  </a:solidFill>
+                </a:rPr>
+                <a:t>RTL-SDR</a:t>
+              </a:r>
+              <a:endParaRPr lang="en-AT" sz="1050" dirty="0">
+                <a:solidFill>
+                  <a:schemeClr val="bg1">
+                    <a:lumMod val="85000"/>
+                  </a:schemeClr>
+                </a:solidFill>
+              </a:endParaRPr>
+            </a:p>
+          </p:txBody>
+        </p:sp>
+      </p:grpSp>
+      <p:pic>
+        <p:nvPicPr>
+          <p:cNvPr id="12" name="Picture 11" descr="Graphical user interface, text, application, chat or text message&#10;&#10;Description automatically generated">
+            <a:extLst>
+              <a:ext uri="{FF2B5EF4-FFF2-40B4-BE49-F238E27FC236}">
+                <a16:creationId xmlns:a16="http://schemas.microsoft.com/office/drawing/2014/main" id="{4B06BCB7-418C-4990-A0F7-4137A2D7204A}"/>
+              </a:ext>
+            </a:extLst>
+          </p:cNvPr>
+          <p:cNvPicPr>
+            <a:picLocks noChangeAspect="1"/>
+          </p:cNvPicPr>
+          <p:nvPr/>
+        </p:nvPicPr>
+        <p:blipFill rotWithShape="1">
+          <a:blip r:embed="rId5"/>
+          <a:srcRect l="14362" r="14073" b="40910"/>
+          <a:stretch/>
+        </p:blipFill>
+        <p:spPr>
+          <a:xfrm>
+            <a:off x="5536406" y="3353293"/>
+            <a:ext cx="1381417" cy="995978"/>
+          </a:xfrm>
+          <a:prstGeom prst="rect">
+            <a:avLst/>
+          </a:prstGeom>
+        </p:spPr>
+      </p:pic>
     </p:spTree>
     <p:extLst>
       <p:ext uri="{BB962C8B-B14F-4D97-AF65-F5344CB8AC3E}">
@@ -13722,7 +14137,7 @@
 </file>
 
 <file path=ppt/slides/slide5.xml><?xml version="1.0" encoding="utf-8"?>
-<p:sld xmlns:a="http://schemas.openxmlformats.org/drawingml/2006/main" xmlns:r="http://schemas.openxmlformats.org/officeDocument/2006/relationships" xmlns:p="http://schemas.openxmlformats.org/presentationml/2006/main">
+<p:sld xmlns:a="http://schemas.openxmlformats.org/drawingml/2006/main" xmlns:r="http://schemas.openxmlformats.org/officeDocument/2006/relationships" xmlns:p="http://schemas.openxmlformats.org/presentationml/2006/main" show="0">
   <p:cSld>
     <p:spTree>
       <p:nvGrpSpPr>
@@ -13830,6 +14245,16 @@
             <a:r>
               <a:rPr lang="en-US" dirty="0"/>
               <a:t>Receiver Structure</a:t>
+            </a:r>
+          </a:p>
+          <a:p>
+            <a:pPr marL="285750" indent="-285750">
+              <a:buFont typeface="Wingdings" panose="05000000000000000000" pitchFamily="2" charset="2"/>
+              <a:buChar char="Ø"/>
+            </a:pPr>
+            <a:r>
+              <a:rPr lang="en-US" dirty="0"/>
+              <a:t>Superheterodyne</a:t>
             </a:r>
             <a:endParaRPr lang="en-AT" dirty="0"/>
           </a:p>
@@ -14072,7 +14497,7 @@
         </p:blipFill>
         <p:spPr>
           <a:xfrm>
-            <a:off x="7306260" y="4604006"/>
+            <a:off x="7367223" y="4604006"/>
             <a:ext cx="2332229" cy="1554933"/>
           </a:xfrm>
           <a:prstGeom prst="rect">
@@ -14094,7 +14519,7 @@
 </file>
 
 <file path=ppt/slides/slide6.xml><?xml version="1.0" encoding="utf-8"?>
-<p:sld xmlns:a="http://schemas.openxmlformats.org/drawingml/2006/main" xmlns:r="http://schemas.openxmlformats.org/officeDocument/2006/relationships" xmlns:p="http://schemas.openxmlformats.org/presentationml/2006/main">
+<p:sld xmlns:a="http://schemas.openxmlformats.org/drawingml/2006/main" xmlns:r="http://schemas.openxmlformats.org/officeDocument/2006/relationships" xmlns:p="http://schemas.openxmlformats.org/presentationml/2006/main" show="0">
   <p:cSld>
     <p:spTree>
       <p:nvGrpSpPr>
@@ -14169,7 +14594,7 @@
             </a:pPr>
             <a:r>
               <a:rPr lang="en-US" dirty="0"/>
-              <a:t>FM Radio Signal</a:t>
+              <a:t>FM Radio Channel Signal</a:t>
             </a:r>
             <a:endParaRPr lang="en-AT" dirty="0"/>
           </a:p>
@@ -14649,7 +15074,7 @@
         </p:blipFill>
         <p:spPr>
           <a:xfrm>
-            <a:off x="5072750" y="4383508"/>
+            <a:off x="5072750" y="4260501"/>
             <a:ext cx="5286640" cy="2346476"/>
           </a:xfrm>
           <a:prstGeom prst="rect">
@@ -15685,21 +16110,21 @@
 </file>
 
 <file path=customXml/item1.xml><?xml version="1.0" encoding="utf-8"?>
+<?mso-contentType ?>
+<FormTemplates xmlns="http://schemas.microsoft.com/sharepoint/v3/contenttype/forms">
+  <Display>DocumentLibraryForm</Display>
+  <Edit>DocumentLibraryForm</Edit>
+  <New>DocumentLibraryForm</New>
+</FormTemplates>
+</file>
+
+<file path=customXml/item2.xml><?xml version="1.0" encoding="utf-8"?>
 <p:properties xmlns:p="http://schemas.microsoft.com/office/2006/metadata/properties" xmlns:xsi="http://www.w3.org/2001/XMLSchema-instance" xmlns:pc="http://schemas.microsoft.com/office/infopath/2007/PartnerControls">
   <documentManagement>
     <Status xmlns="71af3243-3dd4-4a8d-8c0d-dd76da1f02a5">Not started</Status>
     <MediaServiceKeyPoints xmlns="71af3243-3dd4-4a8d-8c0d-dd76da1f02a5" xsi:nil="true"/>
   </documentManagement>
 </p:properties>
-</file>
-
-<file path=customXml/item2.xml><?xml version="1.0" encoding="utf-8"?>
-<?mso-contentType ?>
-<FormTemplates xmlns="http://schemas.microsoft.com/sharepoint/v3/contenttype/forms">
-  <Display>DocumentLibraryForm</Display>
-  <Edit>DocumentLibraryForm</Edit>
-  <New>DocumentLibraryForm</New>
-</FormTemplates>
 </file>
 
 <file path=customXml/item3.xml><?xml version="1.0" encoding="utf-8"?>
@@ -15924,19 +16349,19 @@
 </file>
 
 <file path=customXml/itemProps1.xml><?xml version="1.0" encoding="utf-8"?>
+<ds:datastoreItem xmlns:ds="http://schemas.openxmlformats.org/officeDocument/2006/customXml" ds:itemID="{927BD4C1-B6B1-4715-ABF9-E660A51A4EA0}">
+  <ds:schemaRefs>
+    <ds:schemaRef ds:uri="http://schemas.microsoft.com/sharepoint/v3/contenttype/forms"/>
+  </ds:schemaRefs>
+</ds:datastoreItem>
+</file>
+
+<file path=customXml/itemProps2.xml><?xml version="1.0" encoding="utf-8"?>
 <ds:datastoreItem xmlns:ds="http://schemas.openxmlformats.org/officeDocument/2006/customXml" ds:itemID="{8D289AE2-D2AE-49D1-AFAC-3A79F6794255}">
   <ds:schemaRefs>
     <ds:schemaRef ds:uri="http://schemas.microsoft.com/office/2006/metadata/properties"/>
     <ds:schemaRef ds:uri="http://schemas.microsoft.com/office/infopath/2007/PartnerControls"/>
     <ds:schemaRef ds:uri="71af3243-3dd4-4a8d-8c0d-dd76da1f02a5"/>
-  </ds:schemaRefs>
-</ds:datastoreItem>
-</file>
-
-<file path=customXml/itemProps2.xml><?xml version="1.0" encoding="utf-8"?>
-<ds:datastoreItem xmlns:ds="http://schemas.openxmlformats.org/officeDocument/2006/customXml" ds:itemID="{927BD4C1-B6B1-4715-ABF9-E660A51A4EA0}">
-  <ds:schemaRefs>
-    <ds:schemaRef ds:uri="http://schemas.microsoft.com/sharepoint/v3/contenttype/forms"/>
   </ds:schemaRefs>
 </ds:datastoreItem>
 </file>
